--- a/ppt 16-9/0402.宇宙万物从哪里来.pptx
+++ b/ppt 16-9/0402.宇宙万物从哪里来.pptx
@@ -5,7 +5,7 @@
     <p:sldMasterId id="2147483648" r:id="rId1"/>
   </p:sldMasterIdLst>
   <p:sldIdLst>
-    <p:sldId id="2873" r:id="rId2"/>
+    <p:sldId id="2875" r:id="rId2"/>
   </p:sldIdLst>
   <p:sldSz cx="12192000" cy="6858000"/>
   <p:notesSz cx="6858000" cy="9144000"/>
@@ -129,7 +129,7 @@
           <p:cNvPr id="2" name="标题 1">
             <a:extLst>
               <a:ext uri="{FF2B5EF4-FFF2-40B4-BE49-F238E27FC236}">
-                <a16:creationId xmlns:a16="http://schemas.microsoft.com/office/drawing/2014/main" id="{574D418D-1311-A165-CC04-64FB3E324F6C}"/>
+                <a16:creationId xmlns:a16="http://schemas.microsoft.com/office/drawing/2014/main" id="{CCA68CA2-0964-1FAF-02CC-49F31A208444}"/>
               </a:ext>
             </a:extLst>
           </p:cNvPr>
@@ -166,7 +166,7 @@
           <p:cNvPr id="3" name="副标题 2">
             <a:extLst>
               <a:ext uri="{FF2B5EF4-FFF2-40B4-BE49-F238E27FC236}">
-                <a16:creationId xmlns:a16="http://schemas.microsoft.com/office/drawing/2014/main" id="{8F9BAC47-3446-8E91-98FD-08A5F307B5A5}"/>
+                <a16:creationId xmlns:a16="http://schemas.microsoft.com/office/drawing/2014/main" id="{F23360AE-61C0-1E75-44F7-80F525D81866}"/>
               </a:ext>
             </a:extLst>
           </p:cNvPr>
@@ -236,7 +236,7 @@
           <p:cNvPr id="4" name="日期占位符 3">
             <a:extLst>
               <a:ext uri="{FF2B5EF4-FFF2-40B4-BE49-F238E27FC236}">
-                <a16:creationId xmlns:a16="http://schemas.microsoft.com/office/drawing/2014/main" id="{AC5713B4-4337-6504-94F9-EEB6570E7CF8}"/>
+                <a16:creationId xmlns:a16="http://schemas.microsoft.com/office/drawing/2014/main" id="{C170A764-4D4B-C6A5-53C1-7FFB00C99271}"/>
               </a:ext>
             </a:extLst>
           </p:cNvPr>
@@ -252,7 +252,7 @@
           <a:bodyPr/>
           <a:lstStyle/>
           <a:p>
-            <a:fld id="{B0E5B18C-9CE7-4B0F-9508-F5A3178A66A8}" type="datetimeFigureOut">
+            <a:fld id="{C1535444-DCD0-402A-B06F-0CD1A48CE12B}" type="datetimeFigureOut">
               <a:rPr lang="zh-CN" altLang="en-US" smtClean="0"/>
               <a:t>2024/3/10</a:t>
             </a:fld>
@@ -265,7 +265,7 @@
           <p:cNvPr id="5" name="页脚占位符 4">
             <a:extLst>
               <a:ext uri="{FF2B5EF4-FFF2-40B4-BE49-F238E27FC236}">
-                <a16:creationId xmlns:a16="http://schemas.microsoft.com/office/drawing/2014/main" id="{F0A7E51F-9DC8-438D-A99C-B18F992B5962}"/>
+                <a16:creationId xmlns:a16="http://schemas.microsoft.com/office/drawing/2014/main" id="{93063AD5-B2AC-7073-5CFA-EA4CAFC00841}"/>
               </a:ext>
             </a:extLst>
           </p:cNvPr>
@@ -290,7 +290,7 @@
           <p:cNvPr id="6" name="灯片编号占位符 5">
             <a:extLst>
               <a:ext uri="{FF2B5EF4-FFF2-40B4-BE49-F238E27FC236}">
-                <a16:creationId xmlns:a16="http://schemas.microsoft.com/office/drawing/2014/main" id="{A8779CDC-1793-9752-2D50-7E8D404EB57F}"/>
+                <a16:creationId xmlns:a16="http://schemas.microsoft.com/office/drawing/2014/main" id="{5358C35A-8E6D-0721-06B8-73CB23C886EB}"/>
               </a:ext>
             </a:extLst>
           </p:cNvPr>
@@ -306,7 +306,7 @@
           <a:bodyPr/>
           <a:lstStyle/>
           <a:p>
-            <a:fld id="{C8CFAA2D-FE3B-43E7-8175-A83811832BE1}" type="slidenum">
+            <a:fld id="{10EA90FD-E4CC-4A61-817A-4EA314F3BB13}" type="slidenum">
               <a:rPr lang="zh-CN" altLang="en-US" smtClean="0"/>
               <a:t>‹#›</a:t>
             </a:fld>
@@ -317,7 +317,7 @@
     </p:spTree>
     <p:extLst>
       <p:ext uri="{BB962C8B-B14F-4D97-AF65-F5344CB8AC3E}">
-        <p14:creationId xmlns:p14="http://schemas.microsoft.com/office/powerpoint/2010/main" val="3487268502"/>
+        <p14:creationId xmlns:p14="http://schemas.microsoft.com/office/powerpoint/2010/main" val="575793339"/>
       </p:ext>
     </p:extLst>
   </p:cSld>
@@ -349,7 +349,7 @@
           <p:cNvPr id="2" name="标题 1">
             <a:extLst>
               <a:ext uri="{FF2B5EF4-FFF2-40B4-BE49-F238E27FC236}">
-                <a16:creationId xmlns:a16="http://schemas.microsoft.com/office/drawing/2014/main" id="{5D4CD822-4917-8C9E-FE89-65AEDFCDB56D}"/>
+                <a16:creationId xmlns:a16="http://schemas.microsoft.com/office/drawing/2014/main" id="{C59EE59D-023A-6E22-1C76-FF8E3E2CEDF3}"/>
               </a:ext>
             </a:extLst>
           </p:cNvPr>
@@ -377,7 +377,7 @@
           <p:cNvPr id="3" name="竖排文字占位符 2">
             <a:extLst>
               <a:ext uri="{FF2B5EF4-FFF2-40B4-BE49-F238E27FC236}">
-                <a16:creationId xmlns:a16="http://schemas.microsoft.com/office/drawing/2014/main" id="{B0BC22B3-85C8-CF60-9384-055ADE664CDD}"/>
+                <a16:creationId xmlns:a16="http://schemas.microsoft.com/office/drawing/2014/main" id="{6D7F9BC9-C2F2-1560-AEC9-00D7918AA107}"/>
               </a:ext>
             </a:extLst>
           </p:cNvPr>
@@ -434,7 +434,7 @@
           <p:cNvPr id="4" name="日期占位符 3">
             <a:extLst>
               <a:ext uri="{FF2B5EF4-FFF2-40B4-BE49-F238E27FC236}">
-                <a16:creationId xmlns:a16="http://schemas.microsoft.com/office/drawing/2014/main" id="{7509945A-69E1-4B48-0E26-60B50C22DDA8}"/>
+                <a16:creationId xmlns:a16="http://schemas.microsoft.com/office/drawing/2014/main" id="{8BB6BED9-F54F-166F-5540-F48362D8FE39}"/>
               </a:ext>
             </a:extLst>
           </p:cNvPr>
@@ -450,7 +450,7 @@
           <a:bodyPr/>
           <a:lstStyle/>
           <a:p>
-            <a:fld id="{B0E5B18C-9CE7-4B0F-9508-F5A3178A66A8}" type="datetimeFigureOut">
+            <a:fld id="{C1535444-DCD0-402A-B06F-0CD1A48CE12B}" type="datetimeFigureOut">
               <a:rPr lang="zh-CN" altLang="en-US" smtClean="0"/>
               <a:t>2024/3/10</a:t>
             </a:fld>
@@ -463,7 +463,7 @@
           <p:cNvPr id="5" name="页脚占位符 4">
             <a:extLst>
               <a:ext uri="{FF2B5EF4-FFF2-40B4-BE49-F238E27FC236}">
-                <a16:creationId xmlns:a16="http://schemas.microsoft.com/office/drawing/2014/main" id="{2C66D560-2C5F-E9DA-EFFD-5CF8619AB6F3}"/>
+                <a16:creationId xmlns:a16="http://schemas.microsoft.com/office/drawing/2014/main" id="{ABF196EE-60A6-6674-91CF-C416E5A0574C}"/>
               </a:ext>
             </a:extLst>
           </p:cNvPr>
@@ -488,7 +488,7 @@
           <p:cNvPr id="6" name="灯片编号占位符 5">
             <a:extLst>
               <a:ext uri="{FF2B5EF4-FFF2-40B4-BE49-F238E27FC236}">
-                <a16:creationId xmlns:a16="http://schemas.microsoft.com/office/drawing/2014/main" id="{2054F145-E07B-681B-CFF4-4F7E1AD42943}"/>
+                <a16:creationId xmlns:a16="http://schemas.microsoft.com/office/drawing/2014/main" id="{0B9A6973-257C-97C5-6F32-5632510C1FB9}"/>
               </a:ext>
             </a:extLst>
           </p:cNvPr>
@@ -504,7 +504,7 @@
           <a:bodyPr/>
           <a:lstStyle/>
           <a:p>
-            <a:fld id="{C8CFAA2D-FE3B-43E7-8175-A83811832BE1}" type="slidenum">
+            <a:fld id="{10EA90FD-E4CC-4A61-817A-4EA314F3BB13}" type="slidenum">
               <a:rPr lang="zh-CN" altLang="en-US" smtClean="0"/>
               <a:t>‹#›</a:t>
             </a:fld>
@@ -515,7 +515,7 @@
     </p:spTree>
     <p:extLst>
       <p:ext uri="{BB962C8B-B14F-4D97-AF65-F5344CB8AC3E}">
-        <p14:creationId xmlns:p14="http://schemas.microsoft.com/office/powerpoint/2010/main" val="2453194537"/>
+        <p14:creationId xmlns:p14="http://schemas.microsoft.com/office/powerpoint/2010/main" val="2935043412"/>
       </p:ext>
     </p:extLst>
   </p:cSld>
@@ -547,7 +547,7 @@
           <p:cNvPr id="2" name="竖排标题 1">
             <a:extLst>
               <a:ext uri="{FF2B5EF4-FFF2-40B4-BE49-F238E27FC236}">
-                <a16:creationId xmlns:a16="http://schemas.microsoft.com/office/drawing/2014/main" id="{DFD045E7-6D9E-644F-73F5-D731028E4CCC}"/>
+                <a16:creationId xmlns:a16="http://schemas.microsoft.com/office/drawing/2014/main" id="{8D0589C2-5E4A-74E5-A10C-D23B2EDD2010}"/>
               </a:ext>
             </a:extLst>
           </p:cNvPr>
@@ -580,7 +580,7 @@
           <p:cNvPr id="3" name="竖排文字占位符 2">
             <a:extLst>
               <a:ext uri="{FF2B5EF4-FFF2-40B4-BE49-F238E27FC236}">
-                <a16:creationId xmlns:a16="http://schemas.microsoft.com/office/drawing/2014/main" id="{91637AB9-AE4C-A0D6-0A11-9A736E352C0F}"/>
+                <a16:creationId xmlns:a16="http://schemas.microsoft.com/office/drawing/2014/main" id="{CAB1339D-8FA1-45AB-0CFA-F978D4DBC8B9}"/>
               </a:ext>
             </a:extLst>
           </p:cNvPr>
@@ -642,7 +642,7 @@
           <p:cNvPr id="4" name="日期占位符 3">
             <a:extLst>
               <a:ext uri="{FF2B5EF4-FFF2-40B4-BE49-F238E27FC236}">
-                <a16:creationId xmlns:a16="http://schemas.microsoft.com/office/drawing/2014/main" id="{712AAC87-7640-7903-0CC0-1618F26E93A1}"/>
+                <a16:creationId xmlns:a16="http://schemas.microsoft.com/office/drawing/2014/main" id="{CB01FC85-A91C-771E-E88C-8ABF9A8CB19D}"/>
               </a:ext>
             </a:extLst>
           </p:cNvPr>
@@ -658,7 +658,7 @@
           <a:bodyPr/>
           <a:lstStyle/>
           <a:p>
-            <a:fld id="{B0E5B18C-9CE7-4B0F-9508-F5A3178A66A8}" type="datetimeFigureOut">
+            <a:fld id="{C1535444-DCD0-402A-B06F-0CD1A48CE12B}" type="datetimeFigureOut">
               <a:rPr lang="zh-CN" altLang="en-US" smtClean="0"/>
               <a:t>2024/3/10</a:t>
             </a:fld>
@@ -671,7 +671,7 @@
           <p:cNvPr id="5" name="页脚占位符 4">
             <a:extLst>
               <a:ext uri="{FF2B5EF4-FFF2-40B4-BE49-F238E27FC236}">
-                <a16:creationId xmlns:a16="http://schemas.microsoft.com/office/drawing/2014/main" id="{D65A9E74-96D2-75EB-2B25-180DCB194941}"/>
+                <a16:creationId xmlns:a16="http://schemas.microsoft.com/office/drawing/2014/main" id="{434004B2-C6C1-9881-473A-D46CBDE83766}"/>
               </a:ext>
             </a:extLst>
           </p:cNvPr>
@@ -696,7 +696,7 @@
           <p:cNvPr id="6" name="灯片编号占位符 5">
             <a:extLst>
               <a:ext uri="{FF2B5EF4-FFF2-40B4-BE49-F238E27FC236}">
-                <a16:creationId xmlns:a16="http://schemas.microsoft.com/office/drawing/2014/main" id="{E71FE246-A6B5-DF72-FA7D-904D77E61B53}"/>
+                <a16:creationId xmlns:a16="http://schemas.microsoft.com/office/drawing/2014/main" id="{D7EBCA6D-F859-9180-6D0F-BA10C0DA710A}"/>
               </a:ext>
             </a:extLst>
           </p:cNvPr>
@@ -712,7 +712,7 @@
           <a:bodyPr/>
           <a:lstStyle/>
           <a:p>
-            <a:fld id="{C8CFAA2D-FE3B-43E7-8175-A83811832BE1}" type="slidenum">
+            <a:fld id="{10EA90FD-E4CC-4A61-817A-4EA314F3BB13}" type="slidenum">
               <a:rPr lang="zh-CN" altLang="en-US" smtClean="0"/>
               <a:t>‹#›</a:t>
             </a:fld>
@@ -723,7 +723,7 @@
     </p:spTree>
     <p:extLst>
       <p:ext uri="{BB962C8B-B14F-4D97-AF65-F5344CB8AC3E}">
-        <p14:creationId xmlns:p14="http://schemas.microsoft.com/office/powerpoint/2010/main" val="1886500291"/>
+        <p14:creationId xmlns:p14="http://schemas.microsoft.com/office/powerpoint/2010/main" val="3840002521"/>
       </p:ext>
     </p:extLst>
   </p:cSld>
@@ -755,7 +755,7 @@
           <p:cNvPr id="2" name="标题 1">
             <a:extLst>
               <a:ext uri="{FF2B5EF4-FFF2-40B4-BE49-F238E27FC236}">
-                <a16:creationId xmlns:a16="http://schemas.microsoft.com/office/drawing/2014/main" id="{A3210D6C-29A7-0BB2-2ACF-7D02F5EFA4E4}"/>
+                <a16:creationId xmlns:a16="http://schemas.microsoft.com/office/drawing/2014/main" id="{1624B228-C086-1182-05E9-BAD25D96552D}"/>
               </a:ext>
             </a:extLst>
           </p:cNvPr>
@@ -783,7 +783,7 @@
           <p:cNvPr id="3" name="内容占位符 2">
             <a:extLst>
               <a:ext uri="{FF2B5EF4-FFF2-40B4-BE49-F238E27FC236}">
-                <a16:creationId xmlns:a16="http://schemas.microsoft.com/office/drawing/2014/main" id="{25814A47-9120-50A2-5E76-3CC381C6057B}"/>
+                <a16:creationId xmlns:a16="http://schemas.microsoft.com/office/drawing/2014/main" id="{CBBD60A7-FEB1-862E-38A4-5DE5F60EA57E}"/>
               </a:ext>
             </a:extLst>
           </p:cNvPr>
@@ -840,7 +840,7 @@
           <p:cNvPr id="4" name="日期占位符 3">
             <a:extLst>
               <a:ext uri="{FF2B5EF4-FFF2-40B4-BE49-F238E27FC236}">
-                <a16:creationId xmlns:a16="http://schemas.microsoft.com/office/drawing/2014/main" id="{1BD91B92-9037-4FE6-6AA3-26D338B76548}"/>
+                <a16:creationId xmlns:a16="http://schemas.microsoft.com/office/drawing/2014/main" id="{DB90CB56-BF79-5436-0638-C2E95FCDC53A}"/>
               </a:ext>
             </a:extLst>
           </p:cNvPr>
@@ -856,7 +856,7 @@
           <a:bodyPr/>
           <a:lstStyle/>
           <a:p>
-            <a:fld id="{B0E5B18C-9CE7-4B0F-9508-F5A3178A66A8}" type="datetimeFigureOut">
+            <a:fld id="{C1535444-DCD0-402A-B06F-0CD1A48CE12B}" type="datetimeFigureOut">
               <a:rPr lang="zh-CN" altLang="en-US" smtClean="0"/>
               <a:t>2024/3/10</a:t>
             </a:fld>
@@ -869,7 +869,7 @@
           <p:cNvPr id="5" name="页脚占位符 4">
             <a:extLst>
               <a:ext uri="{FF2B5EF4-FFF2-40B4-BE49-F238E27FC236}">
-                <a16:creationId xmlns:a16="http://schemas.microsoft.com/office/drawing/2014/main" id="{B074640C-E020-E131-F755-71E742D7181D}"/>
+                <a16:creationId xmlns:a16="http://schemas.microsoft.com/office/drawing/2014/main" id="{ED8BEC31-C659-70A7-658D-EE4B961CABA8}"/>
               </a:ext>
             </a:extLst>
           </p:cNvPr>
@@ -894,7 +894,7 @@
           <p:cNvPr id="6" name="灯片编号占位符 5">
             <a:extLst>
               <a:ext uri="{FF2B5EF4-FFF2-40B4-BE49-F238E27FC236}">
-                <a16:creationId xmlns:a16="http://schemas.microsoft.com/office/drawing/2014/main" id="{DF945C4C-B8E7-90F3-8393-785D3530E1C3}"/>
+                <a16:creationId xmlns:a16="http://schemas.microsoft.com/office/drawing/2014/main" id="{F9E067D0-7A54-7D94-B6E4-B68060D1421E}"/>
               </a:ext>
             </a:extLst>
           </p:cNvPr>
@@ -910,7 +910,7 @@
           <a:bodyPr/>
           <a:lstStyle/>
           <a:p>
-            <a:fld id="{C8CFAA2D-FE3B-43E7-8175-A83811832BE1}" type="slidenum">
+            <a:fld id="{10EA90FD-E4CC-4A61-817A-4EA314F3BB13}" type="slidenum">
               <a:rPr lang="zh-CN" altLang="en-US" smtClean="0"/>
               <a:t>‹#›</a:t>
             </a:fld>
@@ -921,7 +921,7 @@
     </p:spTree>
     <p:extLst>
       <p:ext uri="{BB962C8B-B14F-4D97-AF65-F5344CB8AC3E}">
-        <p14:creationId xmlns:p14="http://schemas.microsoft.com/office/powerpoint/2010/main" val="2788242220"/>
+        <p14:creationId xmlns:p14="http://schemas.microsoft.com/office/powerpoint/2010/main" val="2891713540"/>
       </p:ext>
     </p:extLst>
   </p:cSld>
@@ -953,7 +953,7 @@
           <p:cNvPr id="2" name="标题 1">
             <a:extLst>
               <a:ext uri="{FF2B5EF4-FFF2-40B4-BE49-F238E27FC236}">
-                <a16:creationId xmlns:a16="http://schemas.microsoft.com/office/drawing/2014/main" id="{D021AF22-BF66-6188-E76C-8E055D9A3887}"/>
+                <a16:creationId xmlns:a16="http://schemas.microsoft.com/office/drawing/2014/main" id="{AD4AF934-F52F-801E-FDF1-5B1F75A15FAB}"/>
               </a:ext>
             </a:extLst>
           </p:cNvPr>
@@ -990,7 +990,7 @@
           <p:cNvPr id="3" name="文本占位符 2">
             <a:extLst>
               <a:ext uri="{FF2B5EF4-FFF2-40B4-BE49-F238E27FC236}">
-                <a16:creationId xmlns:a16="http://schemas.microsoft.com/office/drawing/2014/main" id="{CF8F4E86-73D3-6DC3-1413-942A75963AC4}"/>
+                <a16:creationId xmlns:a16="http://schemas.microsoft.com/office/drawing/2014/main" id="{5D1B8263-95D1-71F7-D1E8-0B87CDA46EB1}"/>
               </a:ext>
             </a:extLst>
           </p:cNvPr>
@@ -1115,7 +1115,7 @@
           <p:cNvPr id="4" name="日期占位符 3">
             <a:extLst>
               <a:ext uri="{FF2B5EF4-FFF2-40B4-BE49-F238E27FC236}">
-                <a16:creationId xmlns:a16="http://schemas.microsoft.com/office/drawing/2014/main" id="{AAE161DB-6706-D56C-05EF-99CD4EC0CD66}"/>
+                <a16:creationId xmlns:a16="http://schemas.microsoft.com/office/drawing/2014/main" id="{A8E0CA11-9829-AA28-0700-A4E2974842F1}"/>
               </a:ext>
             </a:extLst>
           </p:cNvPr>
@@ -1131,7 +1131,7 @@
           <a:bodyPr/>
           <a:lstStyle/>
           <a:p>
-            <a:fld id="{B0E5B18C-9CE7-4B0F-9508-F5A3178A66A8}" type="datetimeFigureOut">
+            <a:fld id="{C1535444-DCD0-402A-B06F-0CD1A48CE12B}" type="datetimeFigureOut">
               <a:rPr lang="zh-CN" altLang="en-US" smtClean="0"/>
               <a:t>2024/3/10</a:t>
             </a:fld>
@@ -1144,7 +1144,7 @@
           <p:cNvPr id="5" name="页脚占位符 4">
             <a:extLst>
               <a:ext uri="{FF2B5EF4-FFF2-40B4-BE49-F238E27FC236}">
-                <a16:creationId xmlns:a16="http://schemas.microsoft.com/office/drawing/2014/main" id="{66736B45-DFFB-7616-D84E-A4179C8FC89F}"/>
+                <a16:creationId xmlns:a16="http://schemas.microsoft.com/office/drawing/2014/main" id="{4B9B2AE8-B885-B567-7EC4-FE4484DD207E}"/>
               </a:ext>
             </a:extLst>
           </p:cNvPr>
@@ -1169,7 +1169,7 @@
           <p:cNvPr id="6" name="灯片编号占位符 5">
             <a:extLst>
               <a:ext uri="{FF2B5EF4-FFF2-40B4-BE49-F238E27FC236}">
-                <a16:creationId xmlns:a16="http://schemas.microsoft.com/office/drawing/2014/main" id="{728E3F8D-CAEC-FE37-9DDC-8ADD746F714E}"/>
+                <a16:creationId xmlns:a16="http://schemas.microsoft.com/office/drawing/2014/main" id="{AB9CAC31-EF9F-18A2-A57A-CCB464DC7B44}"/>
               </a:ext>
             </a:extLst>
           </p:cNvPr>
@@ -1185,7 +1185,7 @@
           <a:bodyPr/>
           <a:lstStyle/>
           <a:p>
-            <a:fld id="{C8CFAA2D-FE3B-43E7-8175-A83811832BE1}" type="slidenum">
+            <a:fld id="{10EA90FD-E4CC-4A61-817A-4EA314F3BB13}" type="slidenum">
               <a:rPr lang="zh-CN" altLang="en-US" smtClean="0"/>
               <a:t>‹#›</a:t>
             </a:fld>
@@ -1196,7 +1196,7 @@
     </p:spTree>
     <p:extLst>
       <p:ext uri="{BB962C8B-B14F-4D97-AF65-F5344CB8AC3E}">
-        <p14:creationId xmlns:p14="http://schemas.microsoft.com/office/powerpoint/2010/main" val="2339797542"/>
+        <p14:creationId xmlns:p14="http://schemas.microsoft.com/office/powerpoint/2010/main" val="162465701"/>
       </p:ext>
     </p:extLst>
   </p:cSld>
@@ -1228,7 +1228,7 @@
           <p:cNvPr id="2" name="标题 1">
             <a:extLst>
               <a:ext uri="{FF2B5EF4-FFF2-40B4-BE49-F238E27FC236}">
-                <a16:creationId xmlns:a16="http://schemas.microsoft.com/office/drawing/2014/main" id="{966AAB8E-E29E-452C-3339-C95727BE7A95}"/>
+                <a16:creationId xmlns:a16="http://schemas.microsoft.com/office/drawing/2014/main" id="{C3F00C11-52EC-F6CB-BA33-2990DCD437DF}"/>
               </a:ext>
             </a:extLst>
           </p:cNvPr>
@@ -1256,7 +1256,7 @@
           <p:cNvPr id="3" name="内容占位符 2">
             <a:extLst>
               <a:ext uri="{FF2B5EF4-FFF2-40B4-BE49-F238E27FC236}">
-                <a16:creationId xmlns:a16="http://schemas.microsoft.com/office/drawing/2014/main" id="{1F8623F1-D8C4-585E-4FE7-C91A25665B14}"/>
+                <a16:creationId xmlns:a16="http://schemas.microsoft.com/office/drawing/2014/main" id="{193BBDFB-E60A-8292-CDBE-A8DC359F7ECD}"/>
               </a:ext>
             </a:extLst>
           </p:cNvPr>
@@ -1318,7 +1318,7 @@
           <p:cNvPr id="4" name="内容占位符 3">
             <a:extLst>
               <a:ext uri="{FF2B5EF4-FFF2-40B4-BE49-F238E27FC236}">
-                <a16:creationId xmlns:a16="http://schemas.microsoft.com/office/drawing/2014/main" id="{E5A75A0C-6186-BFF5-C3D8-8838A954D4E2}"/>
+                <a16:creationId xmlns:a16="http://schemas.microsoft.com/office/drawing/2014/main" id="{6903F525-9222-28BC-23CC-54E2F5DC25B1}"/>
               </a:ext>
             </a:extLst>
           </p:cNvPr>
@@ -1380,7 +1380,7 @@
           <p:cNvPr id="5" name="日期占位符 4">
             <a:extLst>
               <a:ext uri="{FF2B5EF4-FFF2-40B4-BE49-F238E27FC236}">
-                <a16:creationId xmlns:a16="http://schemas.microsoft.com/office/drawing/2014/main" id="{F33FC4BB-F948-AB29-EA9F-A1524A4D63E4}"/>
+                <a16:creationId xmlns:a16="http://schemas.microsoft.com/office/drawing/2014/main" id="{31918A9C-B574-F4BF-E6CB-8A0B793FEE9A}"/>
               </a:ext>
             </a:extLst>
           </p:cNvPr>
@@ -1396,7 +1396,7 @@
           <a:bodyPr/>
           <a:lstStyle/>
           <a:p>
-            <a:fld id="{B0E5B18C-9CE7-4B0F-9508-F5A3178A66A8}" type="datetimeFigureOut">
+            <a:fld id="{C1535444-DCD0-402A-B06F-0CD1A48CE12B}" type="datetimeFigureOut">
               <a:rPr lang="zh-CN" altLang="en-US" smtClean="0"/>
               <a:t>2024/3/10</a:t>
             </a:fld>
@@ -1409,7 +1409,7 @@
           <p:cNvPr id="6" name="页脚占位符 5">
             <a:extLst>
               <a:ext uri="{FF2B5EF4-FFF2-40B4-BE49-F238E27FC236}">
-                <a16:creationId xmlns:a16="http://schemas.microsoft.com/office/drawing/2014/main" id="{59A96338-77CD-4820-AE05-B35A3D274405}"/>
+                <a16:creationId xmlns:a16="http://schemas.microsoft.com/office/drawing/2014/main" id="{C2742C70-1743-4BE0-8AFE-8D4F373DDF39}"/>
               </a:ext>
             </a:extLst>
           </p:cNvPr>
@@ -1434,7 +1434,7 @@
           <p:cNvPr id="7" name="灯片编号占位符 6">
             <a:extLst>
               <a:ext uri="{FF2B5EF4-FFF2-40B4-BE49-F238E27FC236}">
-                <a16:creationId xmlns:a16="http://schemas.microsoft.com/office/drawing/2014/main" id="{DDFB665B-8B2A-B942-5236-27B78EB4BBD0}"/>
+                <a16:creationId xmlns:a16="http://schemas.microsoft.com/office/drawing/2014/main" id="{28DC5968-9350-E2E1-C412-3453FE63C09B}"/>
               </a:ext>
             </a:extLst>
           </p:cNvPr>
@@ -1450,7 +1450,7 @@
           <a:bodyPr/>
           <a:lstStyle/>
           <a:p>
-            <a:fld id="{C8CFAA2D-FE3B-43E7-8175-A83811832BE1}" type="slidenum">
+            <a:fld id="{10EA90FD-E4CC-4A61-817A-4EA314F3BB13}" type="slidenum">
               <a:rPr lang="zh-CN" altLang="en-US" smtClean="0"/>
               <a:t>‹#›</a:t>
             </a:fld>
@@ -1461,7 +1461,7 @@
     </p:spTree>
     <p:extLst>
       <p:ext uri="{BB962C8B-B14F-4D97-AF65-F5344CB8AC3E}">
-        <p14:creationId xmlns:p14="http://schemas.microsoft.com/office/powerpoint/2010/main" val="2316619334"/>
+        <p14:creationId xmlns:p14="http://schemas.microsoft.com/office/powerpoint/2010/main" val="3755753392"/>
       </p:ext>
     </p:extLst>
   </p:cSld>
@@ -1493,7 +1493,7 @@
           <p:cNvPr id="2" name="标题 1">
             <a:extLst>
               <a:ext uri="{FF2B5EF4-FFF2-40B4-BE49-F238E27FC236}">
-                <a16:creationId xmlns:a16="http://schemas.microsoft.com/office/drawing/2014/main" id="{F92738D4-1D9A-9E24-28DD-FA16E6CBAA3B}"/>
+                <a16:creationId xmlns:a16="http://schemas.microsoft.com/office/drawing/2014/main" id="{83D04030-F961-B338-6FA5-21273316510A}"/>
               </a:ext>
             </a:extLst>
           </p:cNvPr>
@@ -1526,7 +1526,7 @@
           <p:cNvPr id="3" name="文本占位符 2">
             <a:extLst>
               <a:ext uri="{FF2B5EF4-FFF2-40B4-BE49-F238E27FC236}">
-                <a16:creationId xmlns:a16="http://schemas.microsoft.com/office/drawing/2014/main" id="{F3B5DE8A-C0E5-F826-A1D1-0654CCBC67A0}"/>
+                <a16:creationId xmlns:a16="http://schemas.microsoft.com/office/drawing/2014/main" id="{9632B31C-4A36-C430-EE96-F9071412ECD5}"/>
               </a:ext>
             </a:extLst>
           </p:cNvPr>
@@ -1597,7 +1597,7 @@
           <p:cNvPr id="4" name="内容占位符 3">
             <a:extLst>
               <a:ext uri="{FF2B5EF4-FFF2-40B4-BE49-F238E27FC236}">
-                <a16:creationId xmlns:a16="http://schemas.microsoft.com/office/drawing/2014/main" id="{F3FD6EAD-9EB4-42D0-3C68-485C790F78DD}"/>
+                <a16:creationId xmlns:a16="http://schemas.microsoft.com/office/drawing/2014/main" id="{D07BCD18-625B-6A83-36B6-FE5B1C1D345C}"/>
               </a:ext>
             </a:extLst>
           </p:cNvPr>
@@ -1659,7 +1659,7 @@
           <p:cNvPr id="5" name="文本占位符 4">
             <a:extLst>
               <a:ext uri="{FF2B5EF4-FFF2-40B4-BE49-F238E27FC236}">
-                <a16:creationId xmlns:a16="http://schemas.microsoft.com/office/drawing/2014/main" id="{F5495979-DDCB-FE1E-869C-847AF9F6FBFA}"/>
+                <a16:creationId xmlns:a16="http://schemas.microsoft.com/office/drawing/2014/main" id="{1416EDFF-EF94-8737-0361-AFC0D5D470BE}"/>
               </a:ext>
             </a:extLst>
           </p:cNvPr>
@@ -1730,7 +1730,7 @@
           <p:cNvPr id="6" name="内容占位符 5">
             <a:extLst>
               <a:ext uri="{FF2B5EF4-FFF2-40B4-BE49-F238E27FC236}">
-                <a16:creationId xmlns:a16="http://schemas.microsoft.com/office/drawing/2014/main" id="{80301AEA-F99A-20B5-0F0C-1AE583E13546}"/>
+                <a16:creationId xmlns:a16="http://schemas.microsoft.com/office/drawing/2014/main" id="{0AE79D89-A9CA-0C30-5EE3-61402E08DCB9}"/>
               </a:ext>
             </a:extLst>
           </p:cNvPr>
@@ -1792,7 +1792,7 @@
           <p:cNvPr id="7" name="日期占位符 6">
             <a:extLst>
               <a:ext uri="{FF2B5EF4-FFF2-40B4-BE49-F238E27FC236}">
-                <a16:creationId xmlns:a16="http://schemas.microsoft.com/office/drawing/2014/main" id="{41A67A5C-3373-D982-CE3B-8D18AB0C4E84}"/>
+                <a16:creationId xmlns:a16="http://schemas.microsoft.com/office/drawing/2014/main" id="{0C710F3B-90A6-B3B6-7CB1-F0BF41EE01E4}"/>
               </a:ext>
             </a:extLst>
           </p:cNvPr>
@@ -1808,7 +1808,7 @@
           <a:bodyPr/>
           <a:lstStyle/>
           <a:p>
-            <a:fld id="{B0E5B18C-9CE7-4B0F-9508-F5A3178A66A8}" type="datetimeFigureOut">
+            <a:fld id="{C1535444-DCD0-402A-B06F-0CD1A48CE12B}" type="datetimeFigureOut">
               <a:rPr lang="zh-CN" altLang="en-US" smtClean="0"/>
               <a:t>2024/3/10</a:t>
             </a:fld>
@@ -1821,7 +1821,7 @@
           <p:cNvPr id="8" name="页脚占位符 7">
             <a:extLst>
               <a:ext uri="{FF2B5EF4-FFF2-40B4-BE49-F238E27FC236}">
-                <a16:creationId xmlns:a16="http://schemas.microsoft.com/office/drawing/2014/main" id="{AE537557-6DEF-A270-9FAB-41FC5C2337EF}"/>
+                <a16:creationId xmlns:a16="http://schemas.microsoft.com/office/drawing/2014/main" id="{E4665188-41DF-8D42-1A5B-3C25FBC509DB}"/>
               </a:ext>
             </a:extLst>
           </p:cNvPr>
@@ -1846,7 +1846,7 @@
           <p:cNvPr id="9" name="灯片编号占位符 8">
             <a:extLst>
               <a:ext uri="{FF2B5EF4-FFF2-40B4-BE49-F238E27FC236}">
-                <a16:creationId xmlns:a16="http://schemas.microsoft.com/office/drawing/2014/main" id="{7D0FFF73-D5D0-7DD3-01FD-5034310AF0DD}"/>
+                <a16:creationId xmlns:a16="http://schemas.microsoft.com/office/drawing/2014/main" id="{75692B8B-268E-BEAD-DE4B-B8FC20A58C6E}"/>
               </a:ext>
             </a:extLst>
           </p:cNvPr>
@@ -1862,7 +1862,7 @@
           <a:bodyPr/>
           <a:lstStyle/>
           <a:p>
-            <a:fld id="{C8CFAA2D-FE3B-43E7-8175-A83811832BE1}" type="slidenum">
+            <a:fld id="{10EA90FD-E4CC-4A61-817A-4EA314F3BB13}" type="slidenum">
               <a:rPr lang="zh-CN" altLang="en-US" smtClean="0"/>
               <a:t>‹#›</a:t>
             </a:fld>
@@ -1873,7 +1873,7 @@
     </p:spTree>
     <p:extLst>
       <p:ext uri="{BB962C8B-B14F-4D97-AF65-F5344CB8AC3E}">
-        <p14:creationId xmlns:p14="http://schemas.microsoft.com/office/powerpoint/2010/main" val="3722262201"/>
+        <p14:creationId xmlns:p14="http://schemas.microsoft.com/office/powerpoint/2010/main" val="3611669808"/>
       </p:ext>
     </p:extLst>
   </p:cSld>
@@ -1905,7 +1905,7 @@
           <p:cNvPr id="2" name="标题 1">
             <a:extLst>
               <a:ext uri="{FF2B5EF4-FFF2-40B4-BE49-F238E27FC236}">
-                <a16:creationId xmlns:a16="http://schemas.microsoft.com/office/drawing/2014/main" id="{C9E772D8-C139-712A-A565-757AD1C1D921}"/>
+                <a16:creationId xmlns:a16="http://schemas.microsoft.com/office/drawing/2014/main" id="{7E064D6E-B397-4E85-50CB-470A154C764A}"/>
               </a:ext>
             </a:extLst>
           </p:cNvPr>
@@ -1933,7 +1933,7 @@
           <p:cNvPr id="3" name="日期占位符 2">
             <a:extLst>
               <a:ext uri="{FF2B5EF4-FFF2-40B4-BE49-F238E27FC236}">
-                <a16:creationId xmlns:a16="http://schemas.microsoft.com/office/drawing/2014/main" id="{5EE611DF-7A81-950C-CC50-E46D15890FB8}"/>
+                <a16:creationId xmlns:a16="http://schemas.microsoft.com/office/drawing/2014/main" id="{68ACEDC8-E86D-A1DB-7A54-2DBD241AED5C}"/>
               </a:ext>
             </a:extLst>
           </p:cNvPr>
@@ -1949,7 +1949,7 @@
           <a:bodyPr/>
           <a:lstStyle/>
           <a:p>
-            <a:fld id="{B0E5B18C-9CE7-4B0F-9508-F5A3178A66A8}" type="datetimeFigureOut">
+            <a:fld id="{C1535444-DCD0-402A-B06F-0CD1A48CE12B}" type="datetimeFigureOut">
               <a:rPr lang="zh-CN" altLang="en-US" smtClean="0"/>
               <a:t>2024/3/10</a:t>
             </a:fld>
@@ -1962,7 +1962,7 @@
           <p:cNvPr id="4" name="页脚占位符 3">
             <a:extLst>
               <a:ext uri="{FF2B5EF4-FFF2-40B4-BE49-F238E27FC236}">
-                <a16:creationId xmlns:a16="http://schemas.microsoft.com/office/drawing/2014/main" id="{E2CD2C2C-13FF-370B-73C5-22275DD19FA2}"/>
+                <a16:creationId xmlns:a16="http://schemas.microsoft.com/office/drawing/2014/main" id="{A8B5A62A-5C0B-A1D6-BA3E-60434BA20143}"/>
               </a:ext>
             </a:extLst>
           </p:cNvPr>
@@ -1987,7 +1987,7 @@
           <p:cNvPr id="5" name="灯片编号占位符 4">
             <a:extLst>
               <a:ext uri="{FF2B5EF4-FFF2-40B4-BE49-F238E27FC236}">
-                <a16:creationId xmlns:a16="http://schemas.microsoft.com/office/drawing/2014/main" id="{758260BB-2EF1-58AB-B04D-53F5F44E8A3A}"/>
+                <a16:creationId xmlns:a16="http://schemas.microsoft.com/office/drawing/2014/main" id="{759BD930-AF3B-F369-2669-9AD6898B432A}"/>
               </a:ext>
             </a:extLst>
           </p:cNvPr>
@@ -2003,7 +2003,7 @@
           <a:bodyPr/>
           <a:lstStyle/>
           <a:p>
-            <a:fld id="{C8CFAA2D-FE3B-43E7-8175-A83811832BE1}" type="slidenum">
+            <a:fld id="{10EA90FD-E4CC-4A61-817A-4EA314F3BB13}" type="slidenum">
               <a:rPr lang="zh-CN" altLang="en-US" smtClean="0"/>
               <a:t>‹#›</a:t>
             </a:fld>
@@ -2014,7 +2014,7 @@
     </p:spTree>
     <p:extLst>
       <p:ext uri="{BB962C8B-B14F-4D97-AF65-F5344CB8AC3E}">
-        <p14:creationId xmlns:p14="http://schemas.microsoft.com/office/powerpoint/2010/main" val="1336798840"/>
+        <p14:creationId xmlns:p14="http://schemas.microsoft.com/office/powerpoint/2010/main" val="3242197431"/>
       </p:ext>
     </p:extLst>
   </p:cSld>
@@ -2046,7 +2046,7 @@
           <p:cNvPr id="2" name="日期占位符 1">
             <a:extLst>
               <a:ext uri="{FF2B5EF4-FFF2-40B4-BE49-F238E27FC236}">
-                <a16:creationId xmlns:a16="http://schemas.microsoft.com/office/drawing/2014/main" id="{EF407B32-E6B6-E8C0-FC62-A4E3044AB701}"/>
+                <a16:creationId xmlns:a16="http://schemas.microsoft.com/office/drawing/2014/main" id="{FAF45496-DF04-0BC3-F671-EB9444FB2E53}"/>
               </a:ext>
             </a:extLst>
           </p:cNvPr>
@@ -2062,7 +2062,7 @@
           <a:bodyPr/>
           <a:lstStyle/>
           <a:p>
-            <a:fld id="{B0E5B18C-9CE7-4B0F-9508-F5A3178A66A8}" type="datetimeFigureOut">
+            <a:fld id="{C1535444-DCD0-402A-B06F-0CD1A48CE12B}" type="datetimeFigureOut">
               <a:rPr lang="zh-CN" altLang="en-US" smtClean="0"/>
               <a:t>2024/3/10</a:t>
             </a:fld>
@@ -2075,7 +2075,7 @@
           <p:cNvPr id="3" name="页脚占位符 2">
             <a:extLst>
               <a:ext uri="{FF2B5EF4-FFF2-40B4-BE49-F238E27FC236}">
-                <a16:creationId xmlns:a16="http://schemas.microsoft.com/office/drawing/2014/main" id="{5C46A635-25AB-A809-8A87-480667E1F795}"/>
+                <a16:creationId xmlns:a16="http://schemas.microsoft.com/office/drawing/2014/main" id="{FF68F4B9-CFA7-C0BB-9DE3-C6993B4B4756}"/>
               </a:ext>
             </a:extLst>
           </p:cNvPr>
@@ -2100,7 +2100,7 @@
           <p:cNvPr id="4" name="灯片编号占位符 3">
             <a:extLst>
               <a:ext uri="{FF2B5EF4-FFF2-40B4-BE49-F238E27FC236}">
-                <a16:creationId xmlns:a16="http://schemas.microsoft.com/office/drawing/2014/main" id="{7D152D97-BD8E-94EC-FFDA-AFEE16DAAACF}"/>
+                <a16:creationId xmlns:a16="http://schemas.microsoft.com/office/drawing/2014/main" id="{9DAB2F5F-8EB9-F83D-3F33-3506F071E023}"/>
               </a:ext>
             </a:extLst>
           </p:cNvPr>
@@ -2116,7 +2116,7 @@
           <a:bodyPr/>
           <a:lstStyle/>
           <a:p>
-            <a:fld id="{C8CFAA2D-FE3B-43E7-8175-A83811832BE1}" type="slidenum">
+            <a:fld id="{10EA90FD-E4CC-4A61-817A-4EA314F3BB13}" type="slidenum">
               <a:rPr lang="zh-CN" altLang="en-US" smtClean="0"/>
               <a:t>‹#›</a:t>
             </a:fld>
@@ -2127,7 +2127,7 @@
     </p:spTree>
     <p:extLst>
       <p:ext uri="{BB962C8B-B14F-4D97-AF65-F5344CB8AC3E}">
-        <p14:creationId xmlns:p14="http://schemas.microsoft.com/office/powerpoint/2010/main" val="630631318"/>
+        <p14:creationId xmlns:p14="http://schemas.microsoft.com/office/powerpoint/2010/main" val="2933044091"/>
       </p:ext>
     </p:extLst>
   </p:cSld>
@@ -2159,7 +2159,7 @@
           <p:cNvPr id="2" name="标题 1">
             <a:extLst>
               <a:ext uri="{FF2B5EF4-FFF2-40B4-BE49-F238E27FC236}">
-                <a16:creationId xmlns:a16="http://schemas.microsoft.com/office/drawing/2014/main" id="{6C610A2A-C3D3-A868-EEDA-1743C4903171}"/>
+                <a16:creationId xmlns:a16="http://schemas.microsoft.com/office/drawing/2014/main" id="{2B9AC540-E9DE-AC20-9575-090927845D28}"/>
               </a:ext>
             </a:extLst>
           </p:cNvPr>
@@ -2196,7 +2196,7 @@
           <p:cNvPr id="3" name="内容占位符 2">
             <a:extLst>
               <a:ext uri="{FF2B5EF4-FFF2-40B4-BE49-F238E27FC236}">
-                <a16:creationId xmlns:a16="http://schemas.microsoft.com/office/drawing/2014/main" id="{502A796F-DAF6-4B54-DDEC-9E14C982E522}"/>
+                <a16:creationId xmlns:a16="http://schemas.microsoft.com/office/drawing/2014/main" id="{54D76537-873B-5F84-C102-11A9B0E69790}"/>
               </a:ext>
             </a:extLst>
           </p:cNvPr>
@@ -2286,7 +2286,7 @@
           <p:cNvPr id="4" name="文本占位符 3">
             <a:extLst>
               <a:ext uri="{FF2B5EF4-FFF2-40B4-BE49-F238E27FC236}">
-                <a16:creationId xmlns:a16="http://schemas.microsoft.com/office/drawing/2014/main" id="{0E21FFA3-B4EB-C855-388B-970BDC3433F0}"/>
+                <a16:creationId xmlns:a16="http://schemas.microsoft.com/office/drawing/2014/main" id="{CA2B988C-F22F-93A8-CB9F-0271AB7C828A}"/>
               </a:ext>
             </a:extLst>
           </p:cNvPr>
@@ -2357,7 +2357,7 @@
           <p:cNvPr id="5" name="日期占位符 4">
             <a:extLst>
               <a:ext uri="{FF2B5EF4-FFF2-40B4-BE49-F238E27FC236}">
-                <a16:creationId xmlns:a16="http://schemas.microsoft.com/office/drawing/2014/main" id="{7A05D4D9-EEE2-8185-21F4-CED8FB3A23D2}"/>
+                <a16:creationId xmlns:a16="http://schemas.microsoft.com/office/drawing/2014/main" id="{087A7AC9-6934-2EF1-6081-56B275C6EABF}"/>
               </a:ext>
             </a:extLst>
           </p:cNvPr>
@@ -2373,7 +2373,7 @@
           <a:bodyPr/>
           <a:lstStyle/>
           <a:p>
-            <a:fld id="{B0E5B18C-9CE7-4B0F-9508-F5A3178A66A8}" type="datetimeFigureOut">
+            <a:fld id="{C1535444-DCD0-402A-B06F-0CD1A48CE12B}" type="datetimeFigureOut">
               <a:rPr lang="zh-CN" altLang="en-US" smtClean="0"/>
               <a:t>2024/3/10</a:t>
             </a:fld>
@@ -2386,7 +2386,7 @@
           <p:cNvPr id="6" name="页脚占位符 5">
             <a:extLst>
               <a:ext uri="{FF2B5EF4-FFF2-40B4-BE49-F238E27FC236}">
-                <a16:creationId xmlns:a16="http://schemas.microsoft.com/office/drawing/2014/main" id="{ECC8930B-8268-90A5-F82F-43E81F306E32}"/>
+                <a16:creationId xmlns:a16="http://schemas.microsoft.com/office/drawing/2014/main" id="{AA8AC440-3410-4AD8-8C1C-D5FEBEFBE7A8}"/>
               </a:ext>
             </a:extLst>
           </p:cNvPr>
@@ -2411,7 +2411,7 @@
           <p:cNvPr id="7" name="灯片编号占位符 6">
             <a:extLst>
               <a:ext uri="{FF2B5EF4-FFF2-40B4-BE49-F238E27FC236}">
-                <a16:creationId xmlns:a16="http://schemas.microsoft.com/office/drawing/2014/main" id="{D96FA060-9EF1-ECE8-1CAD-949E1C936B73}"/>
+                <a16:creationId xmlns:a16="http://schemas.microsoft.com/office/drawing/2014/main" id="{1996D62A-40A6-4E8C-CD57-45325A7D557A}"/>
               </a:ext>
             </a:extLst>
           </p:cNvPr>
@@ -2427,7 +2427,7 @@
           <a:bodyPr/>
           <a:lstStyle/>
           <a:p>
-            <a:fld id="{C8CFAA2D-FE3B-43E7-8175-A83811832BE1}" type="slidenum">
+            <a:fld id="{10EA90FD-E4CC-4A61-817A-4EA314F3BB13}" type="slidenum">
               <a:rPr lang="zh-CN" altLang="en-US" smtClean="0"/>
               <a:t>‹#›</a:t>
             </a:fld>
@@ -2438,7 +2438,7 @@
     </p:spTree>
     <p:extLst>
       <p:ext uri="{BB962C8B-B14F-4D97-AF65-F5344CB8AC3E}">
-        <p14:creationId xmlns:p14="http://schemas.microsoft.com/office/powerpoint/2010/main" val="725050034"/>
+        <p14:creationId xmlns:p14="http://schemas.microsoft.com/office/powerpoint/2010/main" val="1003373417"/>
       </p:ext>
     </p:extLst>
   </p:cSld>
@@ -2470,7 +2470,7 @@
           <p:cNvPr id="2" name="标题 1">
             <a:extLst>
               <a:ext uri="{FF2B5EF4-FFF2-40B4-BE49-F238E27FC236}">
-                <a16:creationId xmlns:a16="http://schemas.microsoft.com/office/drawing/2014/main" id="{9217A9D6-615C-7C4F-C8F8-F7CB62D00E30}"/>
+                <a16:creationId xmlns:a16="http://schemas.microsoft.com/office/drawing/2014/main" id="{FB7FD329-C319-9350-8A38-E34355BB9BED}"/>
               </a:ext>
             </a:extLst>
           </p:cNvPr>
@@ -2507,7 +2507,7 @@
           <p:cNvPr id="3" name="图片占位符 2">
             <a:extLst>
               <a:ext uri="{FF2B5EF4-FFF2-40B4-BE49-F238E27FC236}">
-                <a16:creationId xmlns:a16="http://schemas.microsoft.com/office/drawing/2014/main" id="{49F691EB-5CE9-BD48-FBE8-B4B12A7359E8}"/>
+                <a16:creationId xmlns:a16="http://schemas.microsoft.com/office/drawing/2014/main" id="{8A301545-E6A6-9BE6-9D27-7B2EE1DAABA9}"/>
               </a:ext>
             </a:extLst>
           </p:cNvPr>
@@ -2574,7 +2574,7 @@
           <p:cNvPr id="4" name="文本占位符 3">
             <a:extLst>
               <a:ext uri="{FF2B5EF4-FFF2-40B4-BE49-F238E27FC236}">
-                <a16:creationId xmlns:a16="http://schemas.microsoft.com/office/drawing/2014/main" id="{7220550D-90A3-418A-C895-7742C8210FAE}"/>
+                <a16:creationId xmlns:a16="http://schemas.microsoft.com/office/drawing/2014/main" id="{5E849AB0-337F-0CB3-8B1D-C31E4289E677}"/>
               </a:ext>
             </a:extLst>
           </p:cNvPr>
@@ -2645,7 +2645,7 @@
           <p:cNvPr id="5" name="日期占位符 4">
             <a:extLst>
               <a:ext uri="{FF2B5EF4-FFF2-40B4-BE49-F238E27FC236}">
-                <a16:creationId xmlns:a16="http://schemas.microsoft.com/office/drawing/2014/main" id="{ADDD4354-8A6B-920D-280C-8D2F264FBF4A}"/>
+                <a16:creationId xmlns:a16="http://schemas.microsoft.com/office/drawing/2014/main" id="{5D5704B3-F3C2-0D7B-B301-1C2E747EFF05}"/>
               </a:ext>
             </a:extLst>
           </p:cNvPr>
@@ -2661,7 +2661,7 @@
           <a:bodyPr/>
           <a:lstStyle/>
           <a:p>
-            <a:fld id="{B0E5B18C-9CE7-4B0F-9508-F5A3178A66A8}" type="datetimeFigureOut">
+            <a:fld id="{C1535444-DCD0-402A-B06F-0CD1A48CE12B}" type="datetimeFigureOut">
               <a:rPr lang="zh-CN" altLang="en-US" smtClean="0"/>
               <a:t>2024/3/10</a:t>
             </a:fld>
@@ -2674,7 +2674,7 @@
           <p:cNvPr id="6" name="页脚占位符 5">
             <a:extLst>
               <a:ext uri="{FF2B5EF4-FFF2-40B4-BE49-F238E27FC236}">
-                <a16:creationId xmlns:a16="http://schemas.microsoft.com/office/drawing/2014/main" id="{990F0D0A-FE34-BE98-2FD6-8E304CE77B03}"/>
+                <a16:creationId xmlns:a16="http://schemas.microsoft.com/office/drawing/2014/main" id="{93D5B13C-21C7-FF7A-C1A6-EAD9060E321C}"/>
               </a:ext>
             </a:extLst>
           </p:cNvPr>
@@ -2699,7 +2699,7 @@
           <p:cNvPr id="7" name="灯片编号占位符 6">
             <a:extLst>
               <a:ext uri="{FF2B5EF4-FFF2-40B4-BE49-F238E27FC236}">
-                <a16:creationId xmlns:a16="http://schemas.microsoft.com/office/drawing/2014/main" id="{59B754C5-01CD-5D3E-9D2E-6FE18AC7C7AF}"/>
+                <a16:creationId xmlns:a16="http://schemas.microsoft.com/office/drawing/2014/main" id="{25DDAA2B-ECD5-3540-AA84-BE6A47273D14}"/>
               </a:ext>
             </a:extLst>
           </p:cNvPr>
@@ -2715,7 +2715,7 @@
           <a:bodyPr/>
           <a:lstStyle/>
           <a:p>
-            <a:fld id="{C8CFAA2D-FE3B-43E7-8175-A83811832BE1}" type="slidenum">
+            <a:fld id="{10EA90FD-E4CC-4A61-817A-4EA314F3BB13}" type="slidenum">
               <a:rPr lang="zh-CN" altLang="en-US" smtClean="0"/>
               <a:t>‹#›</a:t>
             </a:fld>
@@ -2726,7 +2726,7 @@
     </p:spTree>
     <p:extLst>
       <p:ext uri="{BB962C8B-B14F-4D97-AF65-F5344CB8AC3E}">
-        <p14:creationId xmlns:p14="http://schemas.microsoft.com/office/powerpoint/2010/main" val="3172275002"/>
+        <p14:creationId xmlns:p14="http://schemas.microsoft.com/office/powerpoint/2010/main" val="1659056023"/>
       </p:ext>
     </p:extLst>
   </p:cSld>
@@ -2763,7 +2763,7 @@
           <p:cNvPr id="2" name="标题占位符 1">
             <a:extLst>
               <a:ext uri="{FF2B5EF4-FFF2-40B4-BE49-F238E27FC236}">
-                <a16:creationId xmlns:a16="http://schemas.microsoft.com/office/drawing/2014/main" id="{F2EF1591-717D-DDCB-18FF-AE339AFD35F5}"/>
+                <a16:creationId xmlns:a16="http://schemas.microsoft.com/office/drawing/2014/main" id="{7FBC1C7C-FE27-0918-9EEC-991E6930FE1A}"/>
               </a:ext>
             </a:extLst>
           </p:cNvPr>
@@ -2801,7 +2801,7 @@
           <p:cNvPr id="3" name="文本占位符 2">
             <a:extLst>
               <a:ext uri="{FF2B5EF4-FFF2-40B4-BE49-F238E27FC236}">
-                <a16:creationId xmlns:a16="http://schemas.microsoft.com/office/drawing/2014/main" id="{6F939EF9-C131-73A5-E1BE-521441745323}"/>
+                <a16:creationId xmlns:a16="http://schemas.microsoft.com/office/drawing/2014/main" id="{DB8D46EA-8F32-2549-BA53-B5DE18E400C9}"/>
               </a:ext>
             </a:extLst>
           </p:cNvPr>
@@ -2868,7 +2868,7 @@
           <p:cNvPr id="4" name="日期占位符 3">
             <a:extLst>
               <a:ext uri="{FF2B5EF4-FFF2-40B4-BE49-F238E27FC236}">
-                <a16:creationId xmlns:a16="http://schemas.microsoft.com/office/drawing/2014/main" id="{078CF615-8F8A-C19F-51CA-EA8FE66A0AFD}"/>
+                <a16:creationId xmlns:a16="http://schemas.microsoft.com/office/drawing/2014/main" id="{30775BD8-56A6-688E-A3BC-90314EBC5668}"/>
               </a:ext>
             </a:extLst>
           </p:cNvPr>
@@ -2902,7 +2902,7 @@
             </a:lvl1pPr>
           </a:lstStyle>
           <a:p>
-            <a:fld id="{B0E5B18C-9CE7-4B0F-9508-F5A3178A66A8}" type="datetimeFigureOut">
+            <a:fld id="{C1535444-DCD0-402A-B06F-0CD1A48CE12B}" type="datetimeFigureOut">
               <a:rPr lang="zh-CN" altLang="en-US" smtClean="0"/>
               <a:t>2024/3/10</a:t>
             </a:fld>
@@ -2915,7 +2915,7 @@
           <p:cNvPr id="5" name="页脚占位符 4">
             <a:extLst>
               <a:ext uri="{FF2B5EF4-FFF2-40B4-BE49-F238E27FC236}">
-                <a16:creationId xmlns:a16="http://schemas.microsoft.com/office/drawing/2014/main" id="{46A39C80-C760-F866-D3D7-72AB635B2083}"/>
+                <a16:creationId xmlns:a16="http://schemas.microsoft.com/office/drawing/2014/main" id="{558721B6-FB9B-9863-2C8A-2431B8FE56D2}"/>
               </a:ext>
             </a:extLst>
           </p:cNvPr>
@@ -2958,7 +2958,7 @@
           <p:cNvPr id="6" name="灯片编号占位符 5">
             <a:extLst>
               <a:ext uri="{FF2B5EF4-FFF2-40B4-BE49-F238E27FC236}">
-                <a16:creationId xmlns:a16="http://schemas.microsoft.com/office/drawing/2014/main" id="{1B91E3E5-5F46-15E1-9C55-31D145CD965E}"/>
+                <a16:creationId xmlns:a16="http://schemas.microsoft.com/office/drawing/2014/main" id="{B45E4603-D54B-84AE-9F74-9F529C494BE0}"/>
               </a:ext>
             </a:extLst>
           </p:cNvPr>
@@ -2992,7 +2992,7 @@
             </a:lvl1pPr>
           </a:lstStyle>
           <a:p>
-            <a:fld id="{C8CFAA2D-FE3B-43E7-8175-A83811832BE1}" type="slidenum">
+            <a:fld id="{10EA90FD-E4CC-4A61-817A-4EA314F3BB13}" type="slidenum">
               <a:rPr lang="zh-CN" altLang="en-US" smtClean="0"/>
               <a:t>‹#›</a:t>
             </a:fld>
@@ -3003,7 +3003,7 @@
     </p:spTree>
     <p:extLst>
       <p:ext uri="{BB962C8B-B14F-4D97-AF65-F5344CB8AC3E}">
-        <p14:creationId xmlns:p14="http://schemas.microsoft.com/office/powerpoint/2010/main" val="548351192"/>
+        <p14:creationId xmlns:p14="http://schemas.microsoft.com/office/powerpoint/2010/main" val="2028569850"/>
       </p:ext>
     </p:extLst>
   </p:cSld>
@@ -3323,7 +3323,7 @@
       </p:grpSpPr>
       <p:pic>
         <p:nvPicPr>
-          <p:cNvPr id="411650" name="Picture 2" descr="401"/>
+          <p:cNvPr id="412674" name="Picture 2" descr="402"/>
           <p:cNvPicPr>
             <a:picLocks noChangeAspect="1" noChangeArrowheads="1"/>
           </p:cNvPicPr>
@@ -3345,7 +3345,7 @@
         <p:spPr bwMode="auto">
           <a:xfrm>
             <a:off x="1524000" y="0"/>
-            <a:ext cx="9144000" cy="6858000"/>
+            <a:ext cx="9144000" cy="5805488"/>
           </a:xfrm>
           <a:prstGeom prst="rect">
             <a:avLst/>
